--- a/attention.pptx
+++ b/attention.pptx
@@ -5482,6 +5482,76 @@
           </a:fontRef>
         </p:style>
       </p:cxnSp>
+      <p:sp>
+        <p:nvSpPr>
+          <p:cNvPr id="4" name="圆角矩形 3"/>
+          <p:cNvSpPr/>
+          <p:nvPr>
+            <p:custDataLst>
+              <p:tags r:id="rId28"/>
+            </p:custDataLst>
+          </p:nvPr>
+        </p:nvSpPr>
+        <p:spPr>
+          <a:xfrm>
+            <a:off x="5788025" y="3761105"/>
+            <a:ext cx="1025525" cy="398780"/>
+          </a:xfrm>
+          <a:prstGeom prst="roundRect">
+            <a:avLst/>
+          </a:prstGeom>
+          <a:solidFill>
+            <a:schemeClr val="accent4">
+              <a:lumMod val="40000"/>
+              <a:lumOff val="60000"/>
+            </a:schemeClr>
+          </a:solidFill>
+          <a:ln>
+            <a:solidFill>
+              <a:schemeClr val="tx1"/>
+            </a:solidFill>
+          </a:ln>
+        </p:spPr>
+        <p:style>
+          <a:lnRef idx="2">
+            <a:schemeClr val="accent1">
+              <a:lumMod val="75000"/>
+            </a:schemeClr>
+          </a:lnRef>
+          <a:fillRef idx="1">
+            <a:schemeClr val="accent1"/>
+          </a:fillRef>
+          <a:effectRef idx="0">
+            <a:srgbClr val="FFFFFF"/>
+          </a:effectRef>
+          <a:fontRef idx="minor">
+            <a:schemeClr val="lt1"/>
+          </a:fontRef>
+        </p:style>
+        <p:txBody>
+          <a:bodyPr rtlCol="0" anchor="ctr"/>
+          <a:p>
+            <a:pPr algn="ctr"/>
+            <a:r>
+              <a:rPr lang="en-US" altLang="zh-CN" sz="1400">
+                <a:solidFill>
+                  <a:schemeClr val="tx1"/>
+                </a:solidFill>
+                <a:latin typeface="Times New Roman Regular" panose="02020503050405090304" charset="0"/>
+                <a:cs typeface="Times New Roman Regular" panose="02020503050405090304" charset="0"/>
+              </a:rPr>
+              <a:t>Softmax</a:t>
+            </a:r>
+            <a:endParaRPr lang="en-US" altLang="zh-CN" sz="1400">
+              <a:solidFill>
+                <a:schemeClr val="tx1"/>
+              </a:solidFill>
+              <a:latin typeface="Times New Roman Regular" panose="02020503050405090304" charset="0"/>
+              <a:cs typeface="Times New Roman Regular" panose="02020503050405090304" charset="0"/>
+            </a:endParaRPr>
+          </a:p>
+        </p:txBody>
+      </p:sp>
     </p:spTree>
   </p:cSld>
   <p:clrMapOvr>
@@ -6796,6 +6866,76 @@
           </a:prstGeom>
         </p:spPr>
       </p:pic>
+      <p:sp>
+        <p:nvSpPr>
+          <p:cNvPr id="3" name="圆角矩形 2"/>
+          <p:cNvSpPr/>
+          <p:nvPr>
+            <p:custDataLst>
+              <p:tags r:id="rId30"/>
+            </p:custDataLst>
+          </p:nvPr>
+        </p:nvSpPr>
+        <p:spPr>
+          <a:xfrm>
+            <a:off x="5781675" y="3741420"/>
+            <a:ext cx="1010920" cy="398780"/>
+          </a:xfrm>
+          <a:prstGeom prst="roundRect">
+            <a:avLst/>
+          </a:prstGeom>
+          <a:solidFill>
+            <a:schemeClr val="accent4">
+              <a:lumMod val="40000"/>
+              <a:lumOff val="60000"/>
+            </a:schemeClr>
+          </a:solidFill>
+          <a:ln>
+            <a:solidFill>
+              <a:schemeClr val="tx1"/>
+            </a:solidFill>
+          </a:ln>
+        </p:spPr>
+        <p:style>
+          <a:lnRef idx="2">
+            <a:schemeClr val="accent1">
+              <a:lumMod val="75000"/>
+            </a:schemeClr>
+          </a:lnRef>
+          <a:fillRef idx="1">
+            <a:schemeClr val="accent1"/>
+          </a:fillRef>
+          <a:effectRef idx="0">
+            <a:srgbClr val="FFFFFF"/>
+          </a:effectRef>
+          <a:fontRef idx="minor">
+            <a:schemeClr val="lt1"/>
+          </a:fontRef>
+        </p:style>
+        <p:txBody>
+          <a:bodyPr rtlCol="0" anchor="ctr"/>
+          <a:p>
+            <a:pPr algn="ctr"/>
+            <a:r>
+              <a:rPr lang="en-US" altLang="zh-CN" sz="1400">
+                <a:solidFill>
+                  <a:schemeClr val="tx1"/>
+                </a:solidFill>
+                <a:latin typeface="Times New Roman Regular" panose="02020503050405090304" charset="0"/>
+                <a:cs typeface="Times New Roman Regular" panose="02020503050405090304" charset="0"/>
+              </a:rPr>
+              <a:t>Softmax</a:t>
+            </a:r>
+            <a:endParaRPr lang="en-US" altLang="zh-CN" sz="1400">
+              <a:solidFill>
+                <a:schemeClr val="tx1"/>
+              </a:solidFill>
+              <a:latin typeface="Times New Roman Regular" panose="02020503050405090304" charset="0"/>
+              <a:cs typeface="Times New Roman Regular" panose="02020503050405090304" charset="0"/>
+            </a:endParaRPr>
+          </a:p>
+        </p:txBody>
+      </p:sp>
     </p:spTree>
   </p:cSld>
   <p:clrMapOvr>
@@ -7057,6 +7197,18 @@
 </file>
 
 <file path=ppt/tags/tag46.xml><?xml version="1.0" encoding="utf-8"?>
+<p:tagLst xmlns:p="http://schemas.openxmlformats.org/presentationml/2006/main">
+  <p:tag name="KSO_WM_BEAUTIFY_FLAG" val=""/>
+</p:tagLst>
+</file>
+
+<file path=ppt/tags/tag47.xml><?xml version="1.0" encoding="utf-8"?>
+<p:tagLst xmlns:p="http://schemas.openxmlformats.org/presentationml/2006/main">
+  <p:tag name="KSO_WM_BEAUTIFY_FLAG" val=""/>
+</p:tagLst>
+</file>
+
+<file path=ppt/tags/tag48.xml><?xml version="1.0" encoding="utf-8"?>
 <p:tagLst xmlns:p="http://schemas.openxmlformats.org/presentationml/2006/main">
   <p:tag name="KSO_WPP_MARK_KEY" val="4adfe2df-967f-4e79-8d6b-e9b0c3b48010"/>
   <p:tag name="COMMONDATA" val="eyJoZGlkIjoiODUzNjM2ZjU2Mjg4NjYxYmM4YjljYjc1NWMwZGM4MjMifQ=="/>

--- a/attention.pptx
+++ b/attention.pptx
@@ -5,16 +5,17 @@
     <p:sldMasterId id="2147483648" r:id="rId1"/>
   </p:sldMasterIdLst>
   <p:notesMasterIdLst>
-    <p:notesMasterId r:id="rId5"/>
+    <p:notesMasterId r:id="rId6"/>
   </p:notesMasterIdLst>
   <p:sldIdLst>
     <p:sldId id="498" r:id="rId3"/>
     <p:sldId id="499" r:id="rId4"/>
+    <p:sldId id="500" r:id="rId5"/>
   </p:sldIdLst>
   <p:sldSz cx="12192000" cy="6858000"/>
   <p:notesSz cx="6858000" cy="9144000"/>
   <p:custDataLst>
-    <p:tags r:id="rId9"/>
+    <p:tags r:id="rId10"/>
   </p:custDataLst>
   <p:defaultTextStyle>
     <a:defPPr>
@@ -114,7 +115,7 @@
   <p:extLst>
     <p:ext uri="{EFAFB233-063F-42B5-8137-9DF3F51BA10A}">
       <p15:sldGuideLst xmlns:p15="http://schemas.microsoft.com/office/powerpoint/2012/main">
-        <p15:guide id="1" orient="horz" pos="2378" userDrawn="1">
+        <p15:guide id="1" orient="horz" pos="2356" userDrawn="1">
           <p15:clr>
             <a:srgbClr val="A4A3A4"/>
           </p15:clr>
@@ -4709,70 +4710,13 @@
           </a:p>
         </p:txBody>
       </p:sp>
-      <p:sp>
-        <p:nvSpPr>
-          <p:cNvPr id="17" name="椭圆 16"/>
-          <p:cNvSpPr/>
-          <p:nvPr>
-            <p:custDataLst>
-              <p:tags r:id="rId7"/>
-            </p:custDataLst>
-          </p:nvPr>
-        </p:nvSpPr>
-        <p:spPr>
-          <a:xfrm>
-            <a:off x="6069965" y="4398645"/>
-            <a:ext cx="434340" cy="434340"/>
-          </a:xfrm>
-          <a:prstGeom prst="ellipse">
-            <a:avLst/>
-          </a:prstGeom>
-          <a:solidFill>
-            <a:schemeClr val="bg1"/>
-          </a:solidFill>
-          <a:ln w="19050">
-            <a:solidFill>
-              <a:schemeClr val="tx1"/>
-            </a:solidFill>
-          </a:ln>
-        </p:spPr>
-        <p:style>
-          <a:lnRef idx="2">
-            <a:schemeClr val="accent1">
-              <a:lumMod val="75000"/>
-            </a:schemeClr>
-          </a:lnRef>
-          <a:fillRef idx="1">
-            <a:schemeClr val="accent1"/>
-          </a:fillRef>
-          <a:effectRef idx="0">
-            <a:srgbClr val="FFFFFF"/>
-          </a:effectRef>
-          <a:fontRef idx="minor">
-            <a:schemeClr val="lt1"/>
-          </a:fontRef>
-        </p:style>
-        <p:txBody>
-          <a:bodyPr rtlCol="0" anchor="ctr"/>
-          <a:p>
-            <a:pPr algn="ctr"/>
-            <a:endParaRPr lang="en-US" altLang="zh-CN" b="1">
-              <a:solidFill>
-                <a:schemeClr val="tx1"/>
-              </a:solidFill>
-              <a:latin typeface="Times New Roman Bold" panose="02020503050405090304" charset="0"/>
-              <a:cs typeface="Times New Roman Bold" panose="02020503050405090304" charset="0"/>
-            </a:endParaRPr>
-          </a:p>
-        </p:txBody>
-      </p:sp>
       <p:cxnSp>
         <p:nvCxnSpPr>
           <p:cNvPr id="18" name="直接箭头连接符 17"/>
           <p:cNvCxnSpPr/>
           <p:nvPr>
             <p:custDataLst>
-              <p:tags r:id="rId8"/>
+              <p:tags r:id="rId7"/>
             </p:custDataLst>
           </p:nvPr>
         </p:nvCxnSpPr>
@@ -4806,82 +4750,154 @@
           </a:fontRef>
         </p:style>
       </p:cxnSp>
-      <p:cxnSp>
-        <p:nvCxnSpPr>
-          <p:cNvPr id="19" name="直接连接符 18"/>
-          <p:cNvCxnSpPr>
-            <a:stCxn id="17" idx="1"/>
-            <a:endCxn id="17" idx="5"/>
-          </p:cNvCxnSpPr>
+      <p:grpSp>
+        <p:nvGrpSpPr>
+          <p:cNvPr id="5" name="组合 4"/>
+          <p:cNvGrpSpPr/>
           <p:nvPr/>
-        </p:nvCxnSpPr>
-        <p:spPr>
-          <a:xfrm>
-            <a:off x="6133465" y="4462145"/>
-            <a:ext cx="307340" cy="307340"/>
-          </a:xfrm>
-          <a:prstGeom prst="line">
-            <a:avLst/>
-          </a:prstGeom>
-          <a:ln w="19050">
+        </p:nvGrpSpPr>
+        <p:grpSpPr>
+          <a:xfrm>
+            <a:off x="6069965" y="4398645"/>
+            <a:ext cx="434340" cy="434340"/>
+            <a:chOff x="9559" y="6927"/>
+            <a:chExt cx="684" cy="684"/>
+          </a:xfrm>
+        </p:grpSpPr>
+        <p:sp>
+          <p:nvSpPr>
+            <p:cNvPr id="17" name="椭圆 16"/>
+            <p:cNvSpPr/>
+            <p:nvPr>
+              <p:custDataLst>
+                <p:tags r:id="rId8"/>
+              </p:custDataLst>
+            </p:nvPr>
+          </p:nvSpPr>
+          <p:spPr>
+            <a:xfrm>
+              <a:off x="9559" y="6927"/>
+              <a:ext cx="684" cy="684"/>
+            </a:xfrm>
+            <a:prstGeom prst="ellipse">
+              <a:avLst/>
+            </a:prstGeom>
             <a:solidFill>
+              <a:schemeClr val="bg1"/>
+            </a:solidFill>
+            <a:ln w="19050">
+              <a:solidFill>
+                <a:schemeClr val="tx1"/>
+              </a:solidFill>
+            </a:ln>
+          </p:spPr>
+          <p:style>
+            <a:lnRef idx="2">
+              <a:schemeClr val="accent1">
+                <a:lumMod val="75000"/>
+              </a:schemeClr>
+            </a:lnRef>
+            <a:fillRef idx="1">
+              <a:schemeClr val="accent1"/>
+            </a:fillRef>
+            <a:effectRef idx="0">
+              <a:srgbClr val="FFFFFF"/>
+            </a:effectRef>
+            <a:fontRef idx="minor">
+              <a:schemeClr val="lt1"/>
+            </a:fontRef>
+          </p:style>
+          <p:txBody>
+            <a:bodyPr rtlCol="0" anchor="ctr"/>
+            <a:p>
+              <a:pPr algn="ctr"/>
+              <a:endParaRPr lang="en-US" altLang="zh-CN" b="1">
+                <a:solidFill>
+                  <a:schemeClr val="tx1"/>
+                </a:solidFill>
+                <a:latin typeface="Times New Roman Bold" panose="02020503050405090304" charset="0"/>
+                <a:cs typeface="Times New Roman Bold" panose="02020503050405090304" charset="0"/>
+              </a:endParaRPr>
+            </a:p>
+          </p:txBody>
+        </p:sp>
+        <p:cxnSp>
+          <p:nvCxnSpPr>
+            <p:cNvPr id="19" name="直接连接符 18"/>
+            <p:cNvCxnSpPr>
+              <a:stCxn id="17" idx="1"/>
+              <a:endCxn id="17" idx="5"/>
+            </p:cNvCxnSpPr>
+            <p:nvPr/>
+          </p:nvCxnSpPr>
+          <p:spPr>
+            <a:xfrm>
+              <a:off x="9659" y="7027"/>
+              <a:ext cx="484" cy="484"/>
+            </a:xfrm>
+            <a:prstGeom prst="line">
+              <a:avLst/>
+            </a:prstGeom>
+            <a:ln w="19050">
+              <a:solidFill>
+                <a:schemeClr val="tx1"/>
+              </a:solidFill>
+            </a:ln>
+          </p:spPr>
+          <p:style>
+            <a:lnRef idx="2">
+              <a:schemeClr val="accent1"/>
+            </a:lnRef>
+            <a:fillRef idx="0">
+              <a:srgbClr val="FFFFFF"/>
+            </a:fillRef>
+            <a:effectRef idx="0">
+              <a:srgbClr val="FFFFFF"/>
+            </a:effectRef>
+            <a:fontRef idx="minor">
               <a:schemeClr val="tx1"/>
-            </a:solidFill>
-          </a:ln>
-        </p:spPr>
-        <p:style>
-          <a:lnRef idx="2">
-            <a:schemeClr val="accent1"/>
-          </a:lnRef>
-          <a:fillRef idx="0">
-            <a:srgbClr val="FFFFFF"/>
-          </a:fillRef>
-          <a:effectRef idx="0">
-            <a:srgbClr val="FFFFFF"/>
-          </a:effectRef>
-          <a:fontRef idx="minor">
-            <a:schemeClr val="tx1"/>
-          </a:fontRef>
-        </p:style>
-      </p:cxnSp>
-      <p:cxnSp>
-        <p:nvCxnSpPr>
-          <p:cNvPr id="20" name="直接连接符 19"/>
-          <p:cNvCxnSpPr>
-            <a:stCxn id="17" idx="7"/>
-            <a:endCxn id="17" idx="3"/>
-          </p:cNvCxnSpPr>
-          <p:nvPr/>
-        </p:nvCxnSpPr>
-        <p:spPr>
-          <a:xfrm flipH="1">
-            <a:off x="6133465" y="4462145"/>
-            <a:ext cx="307340" cy="307340"/>
-          </a:xfrm>
-          <a:prstGeom prst="line">
-            <a:avLst/>
-          </a:prstGeom>
-          <a:ln w="19050">
-            <a:solidFill>
+            </a:fontRef>
+          </p:style>
+        </p:cxnSp>
+        <p:cxnSp>
+          <p:nvCxnSpPr>
+            <p:cNvPr id="20" name="直接连接符 19"/>
+            <p:cNvCxnSpPr>
+              <a:stCxn id="17" idx="7"/>
+              <a:endCxn id="17" idx="3"/>
+            </p:cNvCxnSpPr>
+            <p:nvPr/>
+          </p:nvCxnSpPr>
+          <p:spPr>
+            <a:xfrm flipH="1">
+              <a:off x="9659" y="7027"/>
+              <a:ext cx="484" cy="484"/>
+            </a:xfrm>
+            <a:prstGeom prst="line">
+              <a:avLst/>
+            </a:prstGeom>
+            <a:ln w="19050">
+              <a:solidFill>
+                <a:schemeClr val="tx1"/>
+              </a:solidFill>
+            </a:ln>
+          </p:spPr>
+          <p:style>
+            <a:lnRef idx="2">
+              <a:schemeClr val="accent1"/>
+            </a:lnRef>
+            <a:fillRef idx="0">
+              <a:srgbClr val="FFFFFF"/>
+            </a:fillRef>
+            <a:effectRef idx="0">
+              <a:srgbClr val="FFFFFF"/>
+            </a:effectRef>
+            <a:fontRef idx="minor">
               <a:schemeClr val="tx1"/>
-            </a:solidFill>
-          </a:ln>
-        </p:spPr>
-        <p:style>
-          <a:lnRef idx="2">
-            <a:schemeClr val="accent1"/>
-          </a:lnRef>
-          <a:fillRef idx="0">
-            <a:srgbClr val="FFFFFF"/>
-          </a:fillRef>
-          <a:effectRef idx="0">
-            <a:srgbClr val="FFFFFF"/>
-          </a:effectRef>
-          <a:fontRef idx="minor">
-            <a:schemeClr val="tx1"/>
-          </a:fontRef>
-        </p:style>
-      </p:cxnSp>
+            </a:fontRef>
+          </p:style>
+        </p:cxnSp>
+      </p:grpSp>
       <p:cxnSp>
         <p:nvCxnSpPr>
           <p:cNvPr id="22" name="直接箭头连接符 21"/>
@@ -6956,6 +6972,1410 @@
 </p:sld>
 </file>
 
+<file path=ppt/slides/slide3.xml><?xml version="1.0" encoding="utf-8"?>
+<p:sld xmlns:a="http://schemas.openxmlformats.org/drawingml/2006/main" xmlns:r="http://schemas.openxmlformats.org/officeDocument/2006/relationships" xmlns:p="http://schemas.openxmlformats.org/presentationml/2006/main">
+  <p:cSld>
+    <p:spTree>
+      <p:nvGrpSpPr>
+        <p:cNvPr id="1" name=""/>
+        <p:cNvGrpSpPr/>
+        <p:nvPr/>
+      </p:nvGrpSpPr>
+      <p:grpSpPr/>
+      <p:pic>
+        <p:nvPicPr>
+          <p:cNvPr id="2" name="图片 1"/>
+          <p:cNvPicPr>
+            <a:picLocks noChangeAspect="1"/>
+          </p:cNvPicPr>
+          <p:nvPr>
+            <p:custDataLst>
+              <p:tags r:id="rId1"/>
+            </p:custDataLst>
+          </p:nvPr>
+        </p:nvPicPr>
+        <p:blipFill>
+          <a:blip r:embed="rId2"/>
+          <a:stretch>
+            <a:fillRect/>
+          </a:stretch>
+        </p:blipFill>
+        <p:spPr>
+          <a:xfrm>
+            <a:off x="901065" y="4102100"/>
+            <a:ext cx="981075" cy="973455"/>
+          </a:xfrm>
+          <a:prstGeom prst="rect">
+            <a:avLst/>
+          </a:prstGeom>
+        </p:spPr>
+      </p:pic>
+      <p:sp>
+        <p:nvSpPr>
+          <p:cNvPr id="6" name="圆角矩形 5"/>
+          <p:cNvSpPr/>
+          <p:nvPr/>
+        </p:nvSpPr>
+        <p:spPr>
+          <a:xfrm>
+            <a:off x="2213610" y="2845435"/>
+            <a:ext cx="1080770" cy="398780"/>
+          </a:xfrm>
+          <a:prstGeom prst="roundRect">
+            <a:avLst/>
+          </a:prstGeom>
+          <a:solidFill>
+            <a:schemeClr val="accent6">
+              <a:lumMod val="20000"/>
+              <a:lumOff val="80000"/>
+            </a:schemeClr>
+          </a:solidFill>
+          <a:ln>
+            <a:solidFill>
+              <a:schemeClr val="tx1"/>
+            </a:solidFill>
+          </a:ln>
+        </p:spPr>
+        <p:style>
+          <a:lnRef idx="2">
+            <a:schemeClr val="accent1">
+              <a:lumMod val="75000"/>
+            </a:schemeClr>
+          </a:lnRef>
+          <a:fillRef idx="1">
+            <a:schemeClr val="accent1"/>
+          </a:fillRef>
+          <a:effectRef idx="0">
+            <a:srgbClr val="FFFFFF"/>
+          </a:effectRef>
+          <a:fontRef idx="minor">
+            <a:schemeClr val="lt1"/>
+          </a:fontRef>
+        </p:style>
+        <p:txBody>
+          <a:bodyPr rtlCol="0" anchor="ctr"/>
+          <a:p>
+            <a:pPr algn="ctr"/>
+            <a:r>
+              <a:rPr lang="en-US" altLang="zh-CN" sz="1400">
+                <a:solidFill>
+                  <a:schemeClr val="tx1"/>
+                </a:solidFill>
+                <a:latin typeface="Times New Roman Regular" panose="02020503050405090304" charset="0"/>
+                <a:cs typeface="Times New Roman Regular" panose="02020503050405090304" charset="0"/>
+              </a:rPr>
+              <a:t>LayerNorm</a:t>
+            </a:r>
+            <a:endParaRPr lang="en-US" altLang="zh-CN" sz="1400">
+              <a:solidFill>
+                <a:schemeClr val="tx1"/>
+              </a:solidFill>
+              <a:latin typeface="Times New Roman Regular" panose="02020503050405090304" charset="0"/>
+              <a:cs typeface="Times New Roman Regular" panose="02020503050405090304" charset="0"/>
+            </a:endParaRPr>
+          </a:p>
+        </p:txBody>
+      </p:sp>
+      <p:cxnSp>
+        <p:nvCxnSpPr>
+          <p:cNvPr id="7" name="直接箭头连接符 6"/>
+          <p:cNvCxnSpPr/>
+          <p:nvPr/>
+        </p:nvCxnSpPr>
+        <p:spPr>
+          <a:xfrm>
+            <a:off x="1882140" y="3044825"/>
+            <a:ext cx="330200" cy="0"/>
+          </a:xfrm>
+          <a:prstGeom prst="straightConnector1">
+            <a:avLst/>
+          </a:prstGeom>
+          <a:ln w="19050">
+            <a:solidFill>
+              <a:schemeClr val="tx1"/>
+            </a:solidFill>
+            <a:tailEnd type="stealth" w="lg" len="lg"/>
+          </a:ln>
+        </p:spPr>
+        <p:style>
+          <a:lnRef idx="2">
+            <a:schemeClr val="accent1"/>
+          </a:lnRef>
+          <a:fillRef idx="0">
+            <a:srgbClr val="FFFFFF"/>
+          </a:fillRef>
+          <a:effectRef idx="0">
+            <a:srgbClr val="FFFFFF"/>
+          </a:effectRef>
+          <a:fontRef idx="minor">
+            <a:schemeClr val="tx1"/>
+          </a:fontRef>
+        </p:style>
+      </p:cxnSp>
+      <p:grpSp>
+        <p:nvGrpSpPr>
+          <p:cNvPr id="10" name="组合 9"/>
+          <p:cNvGrpSpPr/>
+          <p:nvPr/>
+        </p:nvGrpSpPr>
+        <p:grpSpPr>
+          <a:xfrm>
+            <a:off x="4039235" y="2861945"/>
+            <a:ext cx="1412240" cy="398780"/>
+            <a:chOff x="5261" y="5268"/>
+            <a:chExt cx="2224" cy="628"/>
+          </a:xfrm>
+        </p:grpSpPr>
+        <p:sp>
+          <p:nvSpPr>
+            <p:cNvPr id="8" name="圆角矩形 7"/>
+            <p:cNvSpPr/>
+            <p:nvPr>
+              <p:custDataLst>
+                <p:tags r:id="rId3"/>
+              </p:custDataLst>
+            </p:nvPr>
+          </p:nvSpPr>
+          <p:spPr>
+            <a:xfrm>
+              <a:off x="5783" y="5268"/>
+              <a:ext cx="1702" cy="628"/>
+            </a:xfrm>
+            <a:prstGeom prst="roundRect">
+              <a:avLst/>
+            </a:prstGeom>
+            <a:solidFill>
+              <a:schemeClr val="accent4">
+                <a:lumMod val="40000"/>
+                <a:lumOff val="60000"/>
+              </a:schemeClr>
+            </a:solidFill>
+            <a:ln>
+              <a:solidFill>
+                <a:schemeClr val="tx1"/>
+              </a:solidFill>
+            </a:ln>
+          </p:spPr>
+          <p:style>
+            <a:lnRef idx="2">
+              <a:schemeClr val="accent1">
+                <a:lumMod val="75000"/>
+              </a:schemeClr>
+            </a:lnRef>
+            <a:fillRef idx="1">
+              <a:schemeClr val="accent1"/>
+            </a:fillRef>
+            <a:effectRef idx="0">
+              <a:srgbClr val="FFFFFF"/>
+            </a:effectRef>
+            <a:fontRef idx="minor">
+              <a:schemeClr val="lt1"/>
+            </a:fontRef>
+          </p:style>
+          <p:txBody>
+            <a:bodyPr rtlCol="0" anchor="ctr"/>
+            <a:p>
+              <a:pPr algn="ctr"/>
+              <a:r>
+                <a:rPr lang="en-US" altLang="zh-CN" sz="1400">
+                  <a:solidFill>
+                    <a:schemeClr val="tx1"/>
+                  </a:solidFill>
+                  <a:latin typeface="Times New Roman Regular" panose="02020503050405090304" charset="0"/>
+                  <a:cs typeface="Times New Roman Regular" panose="02020503050405090304" charset="0"/>
+                </a:rPr>
+                <a:t>Softmax</a:t>
+              </a:r>
+              <a:endParaRPr lang="en-US" altLang="zh-CN" sz="1400">
+                <a:solidFill>
+                  <a:schemeClr val="tx1"/>
+                </a:solidFill>
+                <a:latin typeface="Times New Roman Regular" panose="02020503050405090304" charset="0"/>
+                <a:cs typeface="Times New Roman Regular" panose="02020503050405090304" charset="0"/>
+              </a:endParaRPr>
+            </a:p>
+          </p:txBody>
+        </p:sp>
+        <p:cxnSp>
+          <p:nvCxnSpPr>
+            <p:cNvPr id="9" name="直接箭头连接符 8"/>
+            <p:cNvCxnSpPr/>
+            <p:nvPr>
+              <p:custDataLst>
+                <p:tags r:id="rId4"/>
+              </p:custDataLst>
+            </p:nvPr>
+          </p:nvCxnSpPr>
+          <p:spPr>
+            <a:xfrm>
+              <a:off x="5261" y="5582"/>
+              <a:ext cx="520" cy="0"/>
+            </a:xfrm>
+            <a:prstGeom prst="straightConnector1">
+              <a:avLst/>
+            </a:prstGeom>
+            <a:ln w="19050">
+              <a:solidFill>
+                <a:schemeClr val="tx1"/>
+              </a:solidFill>
+              <a:tailEnd type="stealth" w="lg" len="lg"/>
+            </a:ln>
+          </p:spPr>
+          <p:style>
+            <a:lnRef idx="2">
+              <a:schemeClr val="accent1"/>
+            </a:lnRef>
+            <a:fillRef idx="0">
+              <a:srgbClr val="FFFFFF"/>
+            </a:fillRef>
+            <a:effectRef idx="0">
+              <a:srgbClr val="FFFFFF"/>
+            </a:effectRef>
+            <a:fontRef idx="minor">
+              <a:schemeClr val="tx1"/>
+            </a:fontRef>
+          </p:style>
+        </p:cxnSp>
+      </p:grpSp>
+      <p:cxnSp>
+        <p:nvCxnSpPr>
+          <p:cNvPr id="11" name="直接箭头连接符 10"/>
+          <p:cNvCxnSpPr/>
+          <p:nvPr>
+            <p:custDataLst>
+              <p:tags r:id="rId5"/>
+            </p:custDataLst>
+          </p:nvPr>
+        </p:nvCxnSpPr>
+        <p:spPr>
+          <a:xfrm>
+            <a:off x="3295650" y="3044825"/>
+            <a:ext cx="330200" cy="0"/>
+          </a:xfrm>
+          <a:prstGeom prst="straightConnector1">
+            <a:avLst/>
+          </a:prstGeom>
+          <a:ln w="19050">
+            <a:solidFill>
+              <a:schemeClr val="tx1"/>
+            </a:solidFill>
+            <a:tailEnd type="stealth" w="lg" len="lg"/>
+          </a:ln>
+        </p:spPr>
+        <p:style>
+          <a:lnRef idx="2">
+            <a:schemeClr val="accent1"/>
+          </a:lnRef>
+          <a:fillRef idx="0">
+            <a:srgbClr val="FFFFFF"/>
+          </a:fillRef>
+          <a:effectRef idx="0">
+            <a:srgbClr val="FFFFFF"/>
+          </a:effectRef>
+          <a:fontRef idx="minor">
+            <a:schemeClr val="tx1"/>
+          </a:fontRef>
+        </p:style>
+      </p:cxnSp>
+      <p:sp>
+        <p:nvSpPr>
+          <p:cNvPr id="12" name="椭圆 11"/>
+          <p:cNvSpPr/>
+          <p:nvPr/>
+        </p:nvSpPr>
+        <p:spPr>
+          <a:xfrm>
+            <a:off x="3625215" y="2844800"/>
+            <a:ext cx="434340" cy="434340"/>
+          </a:xfrm>
+          <a:prstGeom prst="ellipse">
+            <a:avLst/>
+          </a:prstGeom>
+          <a:solidFill>
+            <a:schemeClr val="bg1"/>
+          </a:solidFill>
+          <a:ln w="19050">
+            <a:solidFill>
+              <a:schemeClr val="tx1"/>
+            </a:solidFill>
+          </a:ln>
+        </p:spPr>
+        <p:style>
+          <a:lnRef idx="2">
+            <a:schemeClr val="accent1">
+              <a:lumMod val="75000"/>
+            </a:schemeClr>
+          </a:lnRef>
+          <a:fillRef idx="1">
+            <a:schemeClr val="accent1"/>
+          </a:fillRef>
+          <a:effectRef idx="0">
+            <a:srgbClr val="FFFFFF"/>
+          </a:effectRef>
+          <a:fontRef idx="minor">
+            <a:schemeClr val="lt1"/>
+          </a:fontRef>
+        </p:style>
+        <p:txBody>
+          <a:bodyPr rtlCol="0" anchor="ctr"/>
+          <a:p>
+            <a:pPr algn="ctr"/>
+            <a:r>
+              <a:rPr lang="en-US" altLang="zh-CN" b="1">
+                <a:solidFill>
+                  <a:schemeClr val="tx1"/>
+                </a:solidFill>
+                <a:latin typeface="Times New Roman Bold" panose="02020503050405090304" charset="0"/>
+                <a:cs typeface="Times New Roman Bold" panose="02020503050405090304" charset="0"/>
+              </a:rPr>
+              <a:t>M</a:t>
+            </a:r>
+            <a:endParaRPr lang="en-US" altLang="zh-CN" b="1">
+              <a:solidFill>
+                <a:schemeClr val="tx1"/>
+              </a:solidFill>
+              <a:latin typeface="Times New Roman Bold" panose="02020503050405090304" charset="0"/>
+              <a:cs typeface="Times New Roman Bold" panose="02020503050405090304" charset="0"/>
+            </a:endParaRPr>
+          </a:p>
+        </p:txBody>
+      </p:sp>
+      <p:cxnSp>
+        <p:nvCxnSpPr>
+          <p:cNvPr id="14" name="直接箭头连接符 13"/>
+          <p:cNvCxnSpPr/>
+          <p:nvPr/>
+        </p:nvCxnSpPr>
+        <p:spPr>
+          <a:xfrm flipV="1">
+            <a:off x="3842385" y="3279140"/>
+            <a:ext cx="0" cy="1085215"/>
+          </a:xfrm>
+          <a:prstGeom prst="straightConnector1">
+            <a:avLst/>
+          </a:prstGeom>
+          <a:ln w="19050">
+            <a:solidFill>
+              <a:schemeClr val="tx1"/>
+            </a:solidFill>
+            <a:tailEnd type="stealth" w="lg" len="lg"/>
+          </a:ln>
+        </p:spPr>
+        <p:style>
+          <a:lnRef idx="2">
+            <a:schemeClr val="accent1"/>
+          </a:lnRef>
+          <a:fillRef idx="0">
+            <a:srgbClr val="FFFFFF"/>
+          </a:fillRef>
+          <a:effectRef idx="0">
+            <a:srgbClr val="FFFFFF"/>
+          </a:effectRef>
+          <a:fontRef idx="minor">
+            <a:schemeClr val="tx1"/>
+          </a:fontRef>
+        </p:style>
+      </p:cxnSp>
+      <p:cxnSp>
+        <p:nvCxnSpPr>
+          <p:cNvPr id="15" name="直接箭头连接符 14"/>
+          <p:cNvCxnSpPr/>
+          <p:nvPr>
+            <p:custDataLst>
+              <p:tags r:id="rId6"/>
+            </p:custDataLst>
+          </p:nvPr>
+        </p:nvCxnSpPr>
+        <p:spPr>
+          <a:xfrm>
+            <a:off x="5451475" y="3044825"/>
+            <a:ext cx="330200" cy="0"/>
+          </a:xfrm>
+          <a:prstGeom prst="straightConnector1">
+            <a:avLst/>
+          </a:prstGeom>
+          <a:ln w="19050">
+            <a:solidFill>
+              <a:schemeClr val="tx1"/>
+            </a:solidFill>
+            <a:tailEnd type="stealth" w="lg" len="lg"/>
+          </a:ln>
+        </p:spPr>
+        <p:style>
+          <a:lnRef idx="2">
+            <a:schemeClr val="accent1"/>
+          </a:lnRef>
+          <a:fillRef idx="0">
+            <a:srgbClr val="FFFFFF"/>
+          </a:fillRef>
+          <a:effectRef idx="0">
+            <a:srgbClr val="FFFFFF"/>
+          </a:effectRef>
+          <a:fontRef idx="minor">
+            <a:schemeClr val="tx1"/>
+          </a:fontRef>
+        </p:style>
+      </p:cxnSp>
+      <p:sp>
+        <p:nvSpPr>
+          <p:cNvPr id="16" name="矩形 15"/>
+          <p:cNvSpPr/>
+          <p:nvPr/>
+        </p:nvSpPr>
+        <p:spPr>
+          <a:xfrm>
+            <a:off x="5781675" y="2539365"/>
+            <a:ext cx="1010920" cy="1010920"/>
+          </a:xfrm>
+          <a:prstGeom prst="rect">
+            <a:avLst/>
+          </a:prstGeom>
+          <a:solidFill>
+            <a:schemeClr val="accent3">
+              <a:lumMod val="40000"/>
+              <a:lumOff val="60000"/>
+            </a:schemeClr>
+          </a:solidFill>
+          <a:ln w="12700" cap="flat" cmpd="sng">
+            <a:noFill/>
+            <a:prstDash val="solid"/>
+            <a:miter lim="800000"/>
+          </a:ln>
+        </p:spPr>
+        <p:style>
+          <a:lnRef idx="2">
+            <a:schemeClr val="accent1">
+              <a:lumMod val="75000"/>
+            </a:schemeClr>
+          </a:lnRef>
+          <a:fillRef idx="1">
+            <a:schemeClr val="accent1"/>
+          </a:fillRef>
+          <a:effectRef idx="0">
+            <a:srgbClr val="FFFFFF"/>
+          </a:effectRef>
+          <a:fontRef idx="minor">
+            <a:schemeClr val="lt1"/>
+          </a:fontRef>
+        </p:style>
+        <p:txBody>
+          <a:bodyPr rtlCol="0" anchor="ctr"/>
+          <a:p>
+            <a:pPr algn="ctr"/>
+            <a:endParaRPr lang="zh-CN" altLang="en-US"/>
+          </a:p>
+        </p:txBody>
+      </p:sp>
+      <p:cxnSp>
+        <p:nvCxnSpPr>
+          <p:cNvPr id="18" name="直接箭头连接符 17"/>
+          <p:cNvCxnSpPr/>
+          <p:nvPr>
+            <p:custDataLst>
+              <p:tags r:id="rId7"/>
+            </p:custDataLst>
+          </p:nvPr>
+        </p:nvCxnSpPr>
+        <p:spPr>
+          <a:xfrm flipV="1">
+            <a:off x="6294120" y="4836795"/>
+            <a:ext cx="0" cy="989965"/>
+          </a:xfrm>
+          <a:prstGeom prst="straightConnector1">
+            <a:avLst/>
+          </a:prstGeom>
+          <a:ln w="19050">
+            <a:solidFill>
+              <a:schemeClr val="tx1"/>
+            </a:solidFill>
+            <a:tailEnd type="stealth" w="lg" len="lg"/>
+          </a:ln>
+        </p:spPr>
+        <p:style>
+          <a:lnRef idx="2">
+            <a:schemeClr val="accent1"/>
+          </a:lnRef>
+          <a:fillRef idx="0">
+            <a:srgbClr val="FFFFFF"/>
+          </a:fillRef>
+          <a:effectRef idx="0">
+            <a:srgbClr val="FFFFFF"/>
+          </a:effectRef>
+          <a:fontRef idx="minor">
+            <a:schemeClr val="tx1"/>
+          </a:fontRef>
+        </p:style>
+      </p:cxnSp>
+      <p:cxnSp>
+        <p:nvCxnSpPr>
+          <p:cNvPr id="22" name="直接箭头连接符 21"/>
+          <p:cNvCxnSpPr/>
+          <p:nvPr>
+            <p:custDataLst>
+              <p:tags r:id="rId8"/>
+            </p:custDataLst>
+          </p:nvPr>
+        </p:nvCxnSpPr>
+        <p:spPr>
+          <a:xfrm>
+            <a:off x="6504305" y="4615180"/>
+            <a:ext cx="815975" cy="635"/>
+          </a:xfrm>
+          <a:prstGeom prst="straightConnector1">
+            <a:avLst/>
+          </a:prstGeom>
+          <a:ln w="19050">
+            <a:solidFill>
+              <a:schemeClr val="tx1"/>
+            </a:solidFill>
+            <a:tailEnd type="stealth" w="lg" len="lg"/>
+          </a:ln>
+        </p:spPr>
+        <p:style>
+          <a:lnRef idx="2">
+            <a:schemeClr val="accent1"/>
+          </a:lnRef>
+          <a:fillRef idx="0">
+            <a:srgbClr val="FFFFFF"/>
+          </a:fillRef>
+          <a:effectRef idx="0">
+            <a:srgbClr val="FFFFFF"/>
+          </a:effectRef>
+          <a:fontRef idx="minor">
+            <a:schemeClr val="tx1"/>
+          </a:fontRef>
+        </p:style>
+      </p:cxnSp>
+      <p:pic>
+        <p:nvPicPr>
+          <p:cNvPr id="23" name="图片 22"/>
+          <p:cNvPicPr>
+            <a:picLocks noChangeAspect="1"/>
+          </p:cNvPicPr>
+          <p:nvPr>
+            <p:custDataLst>
+              <p:tags r:id="rId9"/>
+            </p:custDataLst>
+          </p:nvPr>
+        </p:nvPicPr>
+        <p:blipFill>
+          <a:blip r:embed="rId2"/>
+          <a:stretch>
+            <a:fillRect/>
+          </a:stretch>
+        </p:blipFill>
+        <p:spPr>
+          <a:xfrm>
+            <a:off x="7320280" y="4148455"/>
+            <a:ext cx="981075" cy="973455"/>
+          </a:xfrm>
+          <a:prstGeom prst="rect">
+            <a:avLst/>
+          </a:prstGeom>
+        </p:spPr>
+      </p:pic>
+      <p:pic>
+        <p:nvPicPr>
+          <p:cNvPr id="29" name="图片 28"/>
+          <p:cNvPicPr>
+            <a:picLocks noChangeAspect="1"/>
+          </p:cNvPicPr>
+          <p:nvPr>
+            <p:custDataLst>
+              <p:tags r:id="rId10"/>
+            </p:custDataLst>
+          </p:nvPr>
+        </p:nvPicPr>
+        <p:blipFill>
+          <a:blip r:embed="rId11"/>
+          <a:srcRect t="-4947" r="83537"/>
+          <a:stretch>
+            <a:fillRect/>
+          </a:stretch>
+        </p:blipFill>
+        <p:spPr>
+          <a:xfrm>
+            <a:off x="6082665" y="2113915"/>
+            <a:ext cx="655320" cy="425450"/>
+          </a:xfrm>
+          <a:prstGeom prst="rect">
+            <a:avLst/>
+          </a:prstGeom>
+        </p:spPr>
+      </p:pic>
+      <p:pic>
+        <p:nvPicPr>
+          <p:cNvPr id="30" name="图片 29"/>
+          <p:cNvPicPr>
+            <a:picLocks noChangeAspect="1"/>
+          </p:cNvPicPr>
+          <p:nvPr>
+            <p:custDataLst>
+              <p:tags r:id="rId12"/>
+            </p:custDataLst>
+          </p:nvPr>
+        </p:nvPicPr>
+        <p:blipFill>
+          <a:blip r:embed="rId11"/>
+          <a:srcRect l="85193"/>
+          <a:stretch>
+            <a:fillRect/>
+          </a:stretch>
+        </p:blipFill>
+        <p:spPr>
+          <a:xfrm>
+            <a:off x="3572510" y="4425315"/>
+            <a:ext cx="593090" cy="407670"/>
+          </a:xfrm>
+          <a:prstGeom prst="rect">
+            <a:avLst/>
+          </a:prstGeom>
+        </p:spPr>
+      </p:pic>
+      <p:pic>
+        <p:nvPicPr>
+          <p:cNvPr id="32" name="图片 31"/>
+          <p:cNvPicPr>
+            <a:picLocks noChangeAspect="1"/>
+          </p:cNvPicPr>
+          <p:nvPr>
+            <p:custDataLst>
+              <p:tags r:id="rId13"/>
+            </p:custDataLst>
+          </p:nvPr>
+        </p:nvPicPr>
+        <p:blipFill>
+          <a:blip r:embed="rId14"/>
+          <a:srcRect t="-24123" r="72662"/>
+          <a:stretch>
+            <a:fillRect/>
+          </a:stretch>
+        </p:blipFill>
+        <p:spPr>
+          <a:xfrm>
+            <a:off x="7534275" y="3789045"/>
+            <a:ext cx="581025" cy="359410"/>
+          </a:xfrm>
+          <a:prstGeom prst="rect">
+            <a:avLst/>
+          </a:prstGeom>
+        </p:spPr>
+      </p:pic>
+      <p:pic>
+        <p:nvPicPr>
+          <p:cNvPr id="33" name="图片 32"/>
+          <p:cNvPicPr>
+            <a:picLocks noChangeAspect="1"/>
+          </p:cNvPicPr>
+          <p:nvPr>
+            <p:custDataLst>
+              <p:tags r:id="rId15"/>
+            </p:custDataLst>
+          </p:nvPr>
+        </p:nvPicPr>
+        <p:blipFill>
+          <a:blip r:embed="rId14"/>
+          <a:srcRect l="42247" t="-6140" r="39199"/>
+          <a:stretch>
+            <a:fillRect/>
+          </a:stretch>
+        </p:blipFill>
+        <p:spPr>
+          <a:xfrm>
+            <a:off x="1153160" y="3794760"/>
+            <a:ext cx="394335" cy="307340"/>
+          </a:xfrm>
+          <a:prstGeom prst="rect">
+            <a:avLst/>
+          </a:prstGeom>
+        </p:spPr>
+      </p:pic>
+      <p:pic>
+        <p:nvPicPr>
+          <p:cNvPr id="34" name="图片 33"/>
+          <p:cNvPicPr>
+            <a:picLocks noChangeAspect="1"/>
+          </p:cNvPicPr>
+          <p:nvPr>
+            <p:custDataLst>
+              <p:tags r:id="rId16"/>
+            </p:custDataLst>
+          </p:nvPr>
+        </p:nvPicPr>
+        <p:blipFill>
+          <a:blip r:embed="rId17"/>
+          <a:stretch>
+            <a:fillRect/>
+          </a:stretch>
+        </p:blipFill>
+        <p:spPr>
+          <a:xfrm>
+            <a:off x="2522220" y="5273040"/>
+            <a:ext cx="422275" cy="307340"/>
+          </a:xfrm>
+          <a:prstGeom prst="rect">
+            <a:avLst/>
+          </a:prstGeom>
+        </p:spPr>
+      </p:pic>
+      <p:cxnSp>
+        <p:nvCxnSpPr>
+          <p:cNvPr id="36" name="直接箭头连接符 35"/>
+          <p:cNvCxnSpPr/>
+          <p:nvPr>
+            <p:custDataLst>
+              <p:tags r:id="rId18"/>
+            </p:custDataLst>
+          </p:nvPr>
+        </p:nvCxnSpPr>
+        <p:spPr>
+          <a:xfrm>
+            <a:off x="1882140" y="4588510"/>
+            <a:ext cx="585470" cy="0"/>
+          </a:xfrm>
+          <a:prstGeom prst="straightConnector1">
+            <a:avLst/>
+          </a:prstGeom>
+          <a:ln w="19050">
+            <a:solidFill>
+              <a:schemeClr val="tx1"/>
+            </a:solidFill>
+            <a:tailEnd type="stealth" w="lg" len="lg"/>
+          </a:ln>
+        </p:spPr>
+        <p:style>
+          <a:lnRef idx="2">
+            <a:schemeClr val="accent1"/>
+          </a:lnRef>
+          <a:fillRef idx="0">
+            <a:srgbClr val="FFFFFF"/>
+          </a:fillRef>
+          <a:effectRef idx="0">
+            <a:srgbClr val="FFFFFF"/>
+          </a:effectRef>
+          <a:fontRef idx="minor">
+            <a:schemeClr val="tx1"/>
+          </a:fontRef>
+        </p:style>
+      </p:cxnSp>
+      <p:cxnSp>
+        <p:nvCxnSpPr>
+          <p:cNvPr id="39" name="直接箭头连接符 38"/>
+          <p:cNvCxnSpPr/>
+          <p:nvPr>
+            <p:custDataLst>
+              <p:tags r:id="rId19"/>
+            </p:custDataLst>
+          </p:nvPr>
+        </p:nvCxnSpPr>
+        <p:spPr>
+          <a:xfrm flipV="1">
+            <a:off x="2727325" y="4806315"/>
+            <a:ext cx="0" cy="453390"/>
+          </a:xfrm>
+          <a:prstGeom prst="straightConnector1">
+            <a:avLst/>
+          </a:prstGeom>
+          <a:ln w="19050">
+            <a:solidFill>
+              <a:schemeClr val="tx1"/>
+            </a:solidFill>
+            <a:tailEnd type="stealth" w="lg" len="lg"/>
+          </a:ln>
+        </p:spPr>
+        <p:style>
+          <a:lnRef idx="2">
+            <a:schemeClr val="accent1"/>
+          </a:lnRef>
+          <a:fillRef idx="0">
+            <a:srgbClr val="FFFFFF"/>
+          </a:fillRef>
+          <a:effectRef idx="0">
+            <a:srgbClr val="FFFFFF"/>
+          </a:effectRef>
+          <a:fontRef idx="minor">
+            <a:schemeClr val="tx1"/>
+          </a:fontRef>
+        </p:style>
+      </p:cxnSp>
+      <p:cxnSp>
+        <p:nvCxnSpPr>
+          <p:cNvPr id="40" name="直接箭头连接符 39"/>
+          <p:cNvCxnSpPr/>
+          <p:nvPr>
+            <p:custDataLst>
+              <p:tags r:id="rId20"/>
+            </p:custDataLst>
+          </p:nvPr>
+        </p:nvCxnSpPr>
+        <p:spPr>
+          <a:xfrm>
+            <a:off x="2933700" y="4588510"/>
+            <a:ext cx="538480" cy="0"/>
+          </a:xfrm>
+          <a:prstGeom prst="straightConnector1">
+            <a:avLst/>
+          </a:prstGeom>
+          <a:ln w="19050">
+            <a:solidFill>
+              <a:schemeClr val="tx1"/>
+            </a:solidFill>
+            <a:tailEnd type="stealth" w="lg" len="lg"/>
+          </a:ln>
+        </p:spPr>
+        <p:style>
+          <a:lnRef idx="2">
+            <a:schemeClr val="accent1"/>
+          </a:lnRef>
+          <a:fillRef idx="0">
+            <a:srgbClr val="FFFFFF"/>
+          </a:fillRef>
+          <a:effectRef idx="0">
+            <a:srgbClr val="FFFFFF"/>
+          </a:effectRef>
+          <a:fontRef idx="minor">
+            <a:schemeClr val="tx1"/>
+          </a:fontRef>
+        </p:style>
+      </p:cxnSp>
+      <p:sp>
+        <p:nvSpPr>
+          <p:cNvPr id="42" name="椭圆 41"/>
+          <p:cNvSpPr/>
+          <p:nvPr/>
+        </p:nvSpPr>
+        <p:spPr>
+          <a:xfrm>
+            <a:off x="2510155" y="4371975"/>
+            <a:ext cx="434340" cy="434340"/>
+          </a:xfrm>
+          <a:prstGeom prst="ellipse">
+            <a:avLst/>
+          </a:prstGeom>
+          <a:solidFill>
+            <a:schemeClr val="bg1"/>
+          </a:solidFill>
+          <a:ln w="19050">
+            <a:solidFill>
+              <a:schemeClr val="tx1"/>
+            </a:solidFill>
+          </a:ln>
+        </p:spPr>
+        <p:style>
+          <a:lnRef idx="2">
+            <a:schemeClr val="accent1">
+              <a:lumMod val="75000"/>
+            </a:schemeClr>
+          </a:lnRef>
+          <a:fillRef idx="1">
+            <a:schemeClr val="accent1"/>
+          </a:fillRef>
+          <a:effectRef idx="0">
+            <a:srgbClr val="FFFFFF"/>
+          </a:effectRef>
+          <a:fontRef idx="minor">
+            <a:schemeClr val="lt1"/>
+          </a:fontRef>
+        </p:style>
+        <p:txBody>
+          <a:bodyPr rtlCol="0" anchor="ctr"/>
+          <a:p>
+            <a:pPr algn="ctr"/>
+            <a:r>
+              <a:rPr lang="en-US" altLang="zh-CN" b="1">
+                <a:solidFill>
+                  <a:schemeClr val="tx1"/>
+                </a:solidFill>
+                <a:latin typeface="Times New Roman Bold" panose="02020503050405090304" charset="0"/>
+                <a:cs typeface="Times New Roman Bold" panose="02020503050405090304" charset="0"/>
+              </a:rPr>
+              <a:t>M</a:t>
+            </a:r>
+            <a:endParaRPr lang="en-US" altLang="zh-CN" b="1">
+              <a:solidFill>
+                <a:schemeClr val="tx1"/>
+              </a:solidFill>
+              <a:latin typeface="Times New Roman Bold" panose="02020503050405090304" charset="0"/>
+              <a:cs typeface="Times New Roman Bold" panose="02020503050405090304" charset="0"/>
+            </a:endParaRPr>
+          </a:p>
+        </p:txBody>
+      </p:sp>
+      <p:cxnSp>
+        <p:nvCxnSpPr>
+          <p:cNvPr id="44" name="直接连接符 43"/>
+          <p:cNvCxnSpPr>
+            <a:stCxn id="2" idx="2"/>
+          </p:cNvCxnSpPr>
+          <p:nvPr/>
+        </p:nvCxnSpPr>
+        <p:spPr>
+          <a:xfrm>
+            <a:off x="1391920" y="5075555"/>
+            <a:ext cx="0" cy="753745"/>
+          </a:xfrm>
+          <a:prstGeom prst="line">
+            <a:avLst/>
+          </a:prstGeom>
+          <a:ln w="19050">
+            <a:solidFill>
+              <a:schemeClr val="tx1"/>
+            </a:solidFill>
+          </a:ln>
+        </p:spPr>
+        <p:style>
+          <a:lnRef idx="2">
+            <a:schemeClr val="accent1"/>
+          </a:lnRef>
+          <a:fillRef idx="0">
+            <a:srgbClr val="FFFFFF"/>
+          </a:fillRef>
+          <a:effectRef idx="0">
+            <a:srgbClr val="FFFFFF"/>
+          </a:effectRef>
+          <a:fontRef idx="minor">
+            <a:schemeClr val="tx1"/>
+          </a:fontRef>
+        </p:style>
+      </p:cxnSp>
+      <p:cxnSp>
+        <p:nvCxnSpPr>
+          <p:cNvPr id="45" name="直接连接符 44"/>
+          <p:cNvCxnSpPr/>
+          <p:nvPr>
+            <p:custDataLst>
+              <p:tags r:id="rId21"/>
+            </p:custDataLst>
+          </p:nvPr>
+        </p:nvCxnSpPr>
+        <p:spPr>
+          <a:xfrm>
+            <a:off x="1391920" y="5843270"/>
+            <a:ext cx="4900930" cy="0"/>
+          </a:xfrm>
+          <a:prstGeom prst="line">
+            <a:avLst/>
+          </a:prstGeom>
+          <a:ln w="19050">
+            <a:solidFill>
+              <a:schemeClr val="tx1"/>
+            </a:solidFill>
+          </a:ln>
+        </p:spPr>
+        <p:style>
+          <a:lnRef idx="2">
+            <a:schemeClr val="accent1"/>
+          </a:lnRef>
+          <a:fillRef idx="0">
+            <a:srgbClr val="FFFFFF"/>
+          </a:fillRef>
+          <a:effectRef idx="0">
+            <a:srgbClr val="FFFFFF"/>
+          </a:effectRef>
+          <a:fontRef idx="minor">
+            <a:schemeClr val="tx1"/>
+          </a:fontRef>
+        </p:style>
+      </p:cxnSp>
+      <p:cxnSp>
+        <p:nvCxnSpPr>
+          <p:cNvPr id="46" name="直接箭头连接符 45"/>
+          <p:cNvCxnSpPr>
+            <a:endCxn id="17" idx="0"/>
+          </p:cNvCxnSpPr>
+          <p:nvPr>
+            <p:custDataLst>
+              <p:tags r:id="rId22"/>
+            </p:custDataLst>
+          </p:nvPr>
+        </p:nvCxnSpPr>
+        <p:spPr>
+          <a:xfrm>
+            <a:off x="6287135" y="3550285"/>
+            <a:ext cx="0" cy="848360"/>
+          </a:xfrm>
+          <a:prstGeom prst="straightConnector1">
+            <a:avLst/>
+          </a:prstGeom>
+          <a:ln w="19050">
+            <a:solidFill>
+              <a:schemeClr val="tx1"/>
+            </a:solidFill>
+            <a:tailEnd type="stealth" w="lg" len="lg"/>
+          </a:ln>
+        </p:spPr>
+        <p:style>
+          <a:lnRef idx="2">
+            <a:schemeClr val="accent1"/>
+          </a:lnRef>
+          <a:fillRef idx="0">
+            <a:srgbClr val="FFFFFF"/>
+          </a:fillRef>
+          <a:effectRef idx="0">
+            <a:srgbClr val="FFFFFF"/>
+          </a:effectRef>
+          <a:fontRef idx="minor">
+            <a:schemeClr val="tx1"/>
+          </a:fontRef>
+        </p:style>
+      </p:cxnSp>
+      <p:pic>
+        <p:nvPicPr>
+          <p:cNvPr id="4" name="图片 3"/>
+          <p:cNvPicPr>
+            <a:picLocks noChangeAspect="1"/>
+          </p:cNvPicPr>
+          <p:nvPr>
+            <p:custDataLst>
+              <p:tags r:id="rId23"/>
+            </p:custDataLst>
+          </p:nvPr>
+        </p:nvPicPr>
+        <p:blipFill>
+          <a:blip r:embed="rId2"/>
+          <a:stretch>
+            <a:fillRect/>
+          </a:stretch>
+        </p:blipFill>
+        <p:spPr>
+          <a:xfrm>
+            <a:off x="901065" y="2590800"/>
+            <a:ext cx="981075" cy="973455"/>
+          </a:xfrm>
+          <a:prstGeom prst="rect">
+            <a:avLst/>
+          </a:prstGeom>
+        </p:spPr>
+      </p:pic>
+      <p:pic>
+        <p:nvPicPr>
+          <p:cNvPr id="5" name="图片 4"/>
+          <p:cNvPicPr>
+            <a:picLocks noChangeAspect="1"/>
+          </p:cNvPicPr>
+          <p:nvPr>
+            <p:custDataLst>
+              <p:tags r:id="rId24"/>
+            </p:custDataLst>
+          </p:nvPr>
+        </p:nvPicPr>
+        <p:blipFill>
+          <a:blip r:embed="rId14"/>
+          <a:srcRect l="42247" t="-6140" r="39199"/>
+          <a:stretch>
+            <a:fillRect/>
+          </a:stretch>
+        </p:blipFill>
+        <p:spPr>
+          <a:xfrm>
+            <a:off x="1153160" y="2283460"/>
+            <a:ext cx="394335" cy="307340"/>
+          </a:xfrm>
+          <a:prstGeom prst="rect">
+            <a:avLst/>
+          </a:prstGeom>
+        </p:spPr>
+      </p:pic>
+      <p:pic>
+        <p:nvPicPr>
+          <p:cNvPr id="24" name="图片 23"/>
+          <p:cNvPicPr>
+            <a:picLocks noChangeAspect="1"/>
+          </p:cNvPicPr>
+          <p:nvPr>
+            <p:custDataLst>
+              <p:tags r:id="rId25"/>
+            </p:custDataLst>
+          </p:nvPr>
+        </p:nvPicPr>
+        <p:blipFill>
+          <a:blip r:embed="rId26"/>
+          <a:stretch>
+            <a:fillRect/>
+          </a:stretch>
+        </p:blipFill>
+        <p:spPr>
+          <a:xfrm>
+            <a:off x="5270500" y="4380865"/>
+            <a:ext cx="215900" cy="425450"/>
+          </a:xfrm>
+          <a:prstGeom prst="rect">
+            <a:avLst/>
+          </a:prstGeom>
+        </p:spPr>
+      </p:pic>
+      <p:cxnSp>
+        <p:nvCxnSpPr>
+          <p:cNvPr id="25" name="直接箭头连接符 24"/>
+          <p:cNvCxnSpPr/>
+          <p:nvPr>
+            <p:custDataLst>
+              <p:tags r:id="rId27"/>
+            </p:custDataLst>
+          </p:nvPr>
+        </p:nvCxnSpPr>
+        <p:spPr>
+          <a:xfrm>
+            <a:off x="5545455" y="4626610"/>
+            <a:ext cx="538480" cy="0"/>
+          </a:xfrm>
+          <a:prstGeom prst="straightConnector1">
+            <a:avLst/>
+          </a:prstGeom>
+          <a:ln w="19050">
+            <a:solidFill>
+              <a:schemeClr val="tx1"/>
+            </a:solidFill>
+            <a:tailEnd type="stealth" w="lg" len="lg"/>
+          </a:ln>
+        </p:spPr>
+        <p:style>
+          <a:lnRef idx="2">
+            <a:schemeClr val="accent1"/>
+          </a:lnRef>
+          <a:fillRef idx="0">
+            <a:srgbClr val="FFFFFF"/>
+          </a:fillRef>
+          <a:effectRef idx="0">
+            <a:srgbClr val="FFFFFF"/>
+          </a:effectRef>
+          <a:fontRef idx="minor">
+            <a:schemeClr val="tx1"/>
+          </a:fontRef>
+        </p:style>
+      </p:cxnSp>
+      <p:pic>
+        <p:nvPicPr>
+          <p:cNvPr id="26" name="图片 25"/>
+          <p:cNvPicPr>
+            <a:picLocks noChangeAspect="1"/>
+          </p:cNvPicPr>
+          <p:nvPr>
+            <p:custDataLst>
+              <p:tags r:id="rId28"/>
+            </p:custDataLst>
+          </p:nvPr>
+        </p:nvPicPr>
+        <p:blipFill>
+          <a:blip r:embed="rId29"/>
+          <a:stretch>
+            <a:fillRect/>
+          </a:stretch>
+        </p:blipFill>
+        <p:spPr>
+          <a:xfrm>
+            <a:off x="900430" y="923925"/>
+            <a:ext cx="2724785" cy="359410"/>
+          </a:xfrm>
+          <a:prstGeom prst="rect">
+            <a:avLst/>
+          </a:prstGeom>
+        </p:spPr>
+      </p:pic>
+      <p:pic>
+        <p:nvPicPr>
+          <p:cNvPr id="27" name="图片 26"/>
+          <p:cNvPicPr>
+            <a:picLocks noChangeAspect="1"/>
+          </p:cNvPicPr>
+          <p:nvPr>
+            <p:custDataLst>
+              <p:tags r:id="rId30"/>
+            </p:custDataLst>
+          </p:nvPr>
+        </p:nvPicPr>
+        <p:blipFill>
+          <a:blip r:embed="rId31"/>
+          <a:stretch>
+            <a:fillRect/>
+          </a:stretch>
+        </p:blipFill>
+        <p:spPr>
+          <a:xfrm>
+            <a:off x="900430" y="1414780"/>
+            <a:ext cx="2486660" cy="302260"/>
+          </a:xfrm>
+          <a:prstGeom prst="rect">
+            <a:avLst/>
+          </a:prstGeom>
+        </p:spPr>
+      </p:pic>
+      <p:grpSp>
+        <p:nvGrpSpPr>
+          <p:cNvPr id="28" name="组合 27"/>
+          <p:cNvGrpSpPr/>
+          <p:nvPr/>
+        </p:nvGrpSpPr>
+        <p:grpSpPr>
+          <a:xfrm>
+            <a:off x="6080760" y="4397375"/>
+            <a:ext cx="434340" cy="434340"/>
+            <a:chOff x="9559" y="6927"/>
+            <a:chExt cx="684" cy="684"/>
+          </a:xfrm>
+        </p:grpSpPr>
+        <p:sp>
+          <p:nvSpPr>
+            <p:cNvPr id="31" name="椭圆 30"/>
+            <p:cNvSpPr/>
+            <p:nvPr>
+              <p:custDataLst>
+                <p:tags r:id="rId32"/>
+              </p:custDataLst>
+            </p:nvPr>
+          </p:nvSpPr>
+          <p:spPr>
+            <a:xfrm>
+              <a:off x="9559" y="6927"/>
+              <a:ext cx="684" cy="684"/>
+            </a:xfrm>
+            <a:prstGeom prst="ellipse">
+              <a:avLst/>
+            </a:prstGeom>
+            <a:solidFill>
+              <a:schemeClr val="bg1"/>
+            </a:solidFill>
+            <a:ln w="19050">
+              <a:solidFill>
+                <a:schemeClr val="tx1"/>
+              </a:solidFill>
+            </a:ln>
+          </p:spPr>
+          <p:style>
+            <a:lnRef idx="2">
+              <a:schemeClr val="accent1">
+                <a:lumMod val="75000"/>
+              </a:schemeClr>
+            </a:lnRef>
+            <a:fillRef idx="1">
+              <a:schemeClr val="accent1"/>
+            </a:fillRef>
+            <a:effectRef idx="0">
+              <a:srgbClr val="FFFFFF"/>
+            </a:effectRef>
+            <a:fontRef idx="minor">
+              <a:schemeClr val="lt1"/>
+            </a:fontRef>
+          </p:style>
+          <p:txBody>
+            <a:bodyPr rtlCol="0" anchor="ctr"/>
+            <a:p>
+              <a:pPr algn="ctr"/>
+              <a:endParaRPr lang="en-US" altLang="zh-CN" b="1">
+                <a:solidFill>
+                  <a:schemeClr val="tx1"/>
+                </a:solidFill>
+                <a:latin typeface="Times New Roman Bold" panose="02020503050405090304" charset="0"/>
+                <a:cs typeface="Times New Roman Bold" panose="02020503050405090304" charset="0"/>
+              </a:endParaRPr>
+            </a:p>
+          </p:txBody>
+        </p:sp>
+        <p:cxnSp>
+          <p:nvCxnSpPr>
+            <p:cNvPr id="35" name="直接连接符 34"/>
+            <p:cNvCxnSpPr>
+              <a:stCxn id="31" idx="1"/>
+              <a:endCxn id="31" idx="5"/>
+            </p:cNvCxnSpPr>
+            <p:nvPr>
+              <p:custDataLst>
+                <p:tags r:id="rId33"/>
+              </p:custDataLst>
+            </p:nvPr>
+          </p:nvCxnSpPr>
+          <p:spPr>
+            <a:xfrm>
+              <a:off x="9659" y="7027"/>
+              <a:ext cx="484" cy="484"/>
+            </a:xfrm>
+            <a:prstGeom prst="line">
+              <a:avLst/>
+            </a:prstGeom>
+            <a:ln w="19050">
+              <a:solidFill>
+                <a:schemeClr val="tx1"/>
+              </a:solidFill>
+            </a:ln>
+          </p:spPr>
+          <p:style>
+            <a:lnRef idx="2">
+              <a:schemeClr val="accent1"/>
+            </a:lnRef>
+            <a:fillRef idx="0">
+              <a:srgbClr val="FFFFFF"/>
+            </a:fillRef>
+            <a:effectRef idx="0">
+              <a:srgbClr val="FFFFFF"/>
+            </a:effectRef>
+            <a:fontRef idx="minor">
+              <a:schemeClr val="tx1"/>
+            </a:fontRef>
+          </p:style>
+        </p:cxnSp>
+        <p:cxnSp>
+          <p:nvCxnSpPr>
+            <p:cNvPr id="37" name="直接连接符 36"/>
+            <p:cNvCxnSpPr>
+              <a:stCxn id="31" idx="7"/>
+              <a:endCxn id="31" idx="3"/>
+            </p:cNvCxnSpPr>
+            <p:nvPr>
+              <p:custDataLst>
+                <p:tags r:id="rId34"/>
+              </p:custDataLst>
+            </p:nvPr>
+          </p:nvCxnSpPr>
+          <p:spPr>
+            <a:xfrm flipH="1">
+              <a:off x="9659" y="7027"/>
+              <a:ext cx="484" cy="484"/>
+            </a:xfrm>
+            <a:prstGeom prst="line">
+              <a:avLst/>
+            </a:prstGeom>
+            <a:ln w="19050">
+              <a:solidFill>
+                <a:schemeClr val="tx1"/>
+              </a:solidFill>
+            </a:ln>
+          </p:spPr>
+          <p:style>
+            <a:lnRef idx="2">
+              <a:schemeClr val="accent1"/>
+            </a:lnRef>
+            <a:fillRef idx="0">
+              <a:srgbClr val="FFFFFF"/>
+            </a:fillRef>
+            <a:effectRef idx="0">
+              <a:srgbClr val="FFFFFF"/>
+            </a:effectRef>
+            <a:fontRef idx="minor">
+              <a:schemeClr val="tx1"/>
+            </a:fontRef>
+          </p:style>
+        </p:cxnSp>
+      </p:grpSp>
+    </p:spTree>
+  </p:cSld>
+  <p:clrMapOvr>
+    <a:masterClrMapping/>
+  </p:clrMapOvr>
+  <mc:AlternateContent xmlns:mc="http://schemas.openxmlformats.org/markup-compatibility/2006">
+    <mc:Choice xmlns:p14="http://schemas.microsoft.com/office/powerpoint/2010/main" Requires="p14">
+      <p:transition spd="slow" p14:dur="1500">
+        <p:random/>
+      </p:transition>
+    </mc:Choice>
+    <mc:Fallback>
+      <p:transition spd="slow">
+        <p:random/>
+      </p:transition>
+    </mc:Fallback>
+  </mc:AlternateContent>
+</p:sld>
+</file>
+
 <file path=ppt/tags/tag1.xml><?xml version="1.0" encoding="utf-8"?>
 <p:tagLst xmlns:p="http://schemas.openxmlformats.org/presentationml/2006/main">
   <p:tag name="KSO_WM_BEAUTIFY_FLAG" val=""/>
@@ -7210,8 +8630,13 @@
 
 <file path=ppt/tags/tag48.xml><?xml version="1.0" encoding="utf-8"?>
 <p:tagLst xmlns:p="http://schemas.openxmlformats.org/presentationml/2006/main">
-  <p:tag name="KSO_WPP_MARK_KEY" val="4adfe2df-967f-4e79-8d6b-e9b0c3b48010"/>
-  <p:tag name="COMMONDATA" val="eyJoZGlkIjoiODUzNjM2ZjU2Mjg4NjYxYmM4YjljYjc1NWMwZGM4MjMifQ=="/>
+  <p:tag name="KSO_WM_BEAUTIFY_FLAG" val=""/>
+</p:tagLst>
+</file>
+
+<file path=ppt/tags/tag49.xml><?xml version="1.0" encoding="utf-8"?>
+<p:tagLst xmlns:p="http://schemas.openxmlformats.org/presentationml/2006/main">
+  <p:tag name="KSO_WM_BEAUTIFY_FLAG" val=""/>
 </p:tagLst>
 </file>
 
@@ -7221,15 +8646,172 @@
 </p:tagLst>
 </file>
 
+<file path=ppt/tags/tag50.xml><?xml version="1.0" encoding="utf-8"?>
+<p:tagLst xmlns:p="http://schemas.openxmlformats.org/presentationml/2006/main">
+  <p:tag name="KSO_WM_BEAUTIFY_FLAG" val=""/>
+</p:tagLst>
+</file>
+
+<file path=ppt/tags/tag51.xml><?xml version="1.0" encoding="utf-8"?>
+<p:tagLst xmlns:p="http://schemas.openxmlformats.org/presentationml/2006/main">
+  <p:tag name="KSO_WM_BEAUTIFY_FLAG" val=""/>
+</p:tagLst>
+</file>
+
+<file path=ppt/tags/tag52.xml><?xml version="1.0" encoding="utf-8"?>
+<p:tagLst xmlns:p="http://schemas.openxmlformats.org/presentationml/2006/main">
+  <p:tag name="KSO_WM_BEAUTIFY_FLAG" val=""/>
+</p:tagLst>
+</file>
+
+<file path=ppt/tags/tag53.xml><?xml version="1.0" encoding="utf-8"?>
+<p:tagLst xmlns:p="http://schemas.openxmlformats.org/presentationml/2006/main">
+  <p:tag name="KSO_WM_BEAUTIFY_FLAG" val=""/>
+</p:tagLst>
+</file>
+
+<file path=ppt/tags/tag54.xml><?xml version="1.0" encoding="utf-8"?>
+<p:tagLst xmlns:p="http://schemas.openxmlformats.org/presentationml/2006/main">
+  <p:tag name="KSO_WM_BEAUTIFY_FLAG" val=""/>
+</p:tagLst>
+</file>
+
+<file path=ppt/tags/tag55.xml><?xml version="1.0" encoding="utf-8"?>
+<p:tagLst xmlns:p="http://schemas.openxmlformats.org/presentationml/2006/main">
+  <p:tag name="KSO_WM_BEAUTIFY_FLAG" val=""/>
+</p:tagLst>
+</file>
+
+<file path=ppt/tags/tag56.xml><?xml version="1.0" encoding="utf-8"?>
+<p:tagLst xmlns:p="http://schemas.openxmlformats.org/presentationml/2006/main">
+  <p:tag name="KSO_WM_BEAUTIFY_FLAG" val=""/>
+</p:tagLst>
+</file>
+
+<file path=ppt/tags/tag57.xml><?xml version="1.0" encoding="utf-8"?>
+<p:tagLst xmlns:p="http://schemas.openxmlformats.org/presentationml/2006/main">
+  <p:tag name="KSO_WM_BEAUTIFY_FLAG" val=""/>
+</p:tagLst>
+</file>
+
+<file path=ppt/tags/tag58.xml><?xml version="1.0" encoding="utf-8"?>
+<p:tagLst xmlns:p="http://schemas.openxmlformats.org/presentationml/2006/main">
+  <p:tag name="KSO_WM_BEAUTIFY_FLAG" val=""/>
+</p:tagLst>
+</file>
+
+<file path=ppt/tags/tag59.xml><?xml version="1.0" encoding="utf-8"?>
+<p:tagLst xmlns:p="http://schemas.openxmlformats.org/presentationml/2006/main">
+  <p:tag name="KSO_WM_BEAUTIFY_FLAG" val=""/>
+</p:tagLst>
+</file>
+
 <file path=ppt/tags/tag6.xml><?xml version="1.0" encoding="utf-8"?>
 <p:tagLst xmlns:p="http://schemas.openxmlformats.org/presentationml/2006/main">
   <p:tag name="KSO_WM_BEAUTIFY_FLAG" val=""/>
 </p:tagLst>
 </file>
 
+<file path=ppt/tags/tag60.xml><?xml version="1.0" encoding="utf-8"?>
+<p:tagLst xmlns:p="http://schemas.openxmlformats.org/presentationml/2006/main">
+  <p:tag name="KSO_WM_BEAUTIFY_FLAG" val=""/>
+</p:tagLst>
+</file>
+
+<file path=ppt/tags/tag61.xml><?xml version="1.0" encoding="utf-8"?>
+<p:tagLst xmlns:p="http://schemas.openxmlformats.org/presentationml/2006/main">
+  <p:tag name="KSO_WM_BEAUTIFY_FLAG" val=""/>
+</p:tagLst>
+</file>
+
+<file path=ppt/tags/tag62.xml><?xml version="1.0" encoding="utf-8"?>
+<p:tagLst xmlns:p="http://schemas.openxmlformats.org/presentationml/2006/main">
+  <p:tag name="KSO_WM_BEAUTIFY_FLAG" val=""/>
+</p:tagLst>
+</file>
+
+<file path=ppt/tags/tag63.xml><?xml version="1.0" encoding="utf-8"?>
+<p:tagLst xmlns:p="http://schemas.openxmlformats.org/presentationml/2006/main">
+  <p:tag name="KSO_WM_BEAUTIFY_FLAG" val=""/>
+</p:tagLst>
+</file>
+
+<file path=ppt/tags/tag64.xml><?xml version="1.0" encoding="utf-8"?>
+<p:tagLst xmlns:p="http://schemas.openxmlformats.org/presentationml/2006/main">
+  <p:tag name="KSO_WM_BEAUTIFY_FLAG" val=""/>
+</p:tagLst>
+</file>
+
+<file path=ppt/tags/tag65.xml><?xml version="1.0" encoding="utf-8"?>
+<p:tagLst xmlns:p="http://schemas.openxmlformats.org/presentationml/2006/main">
+  <p:tag name="KSO_WM_BEAUTIFY_FLAG" val=""/>
+</p:tagLst>
+</file>
+
+<file path=ppt/tags/tag66.xml><?xml version="1.0" encoding="utf-8"?>
+<p:tagLst xmlns:p="http://schemas.openxmlformats.org/presentationml/2006/main">
+  <p:tag name="KSO_WM_BEAUTIFY_FLAG" val=""/>
+</p:tagLst>
+</file>
+
+<file path=ppt/tags/tag67.xml><?xml version="1.0" encoding="utf-8"?>
+<p:tagLst xmlns:p="http://schemas.openxmlformats.org/presentationml/2006/main">
+  <p:tag name="KSO_WM_BEAUTIFY_FLAG" val=""/>
+</p:tagLst>
+</file>
+
+<file path=ppt/tags/tag68.xml><?xml version="1.0" encoding="utf-8"?>
+<p:tagLst xmlns:p="http://schemas.openxmlformats.org/presentationml/2006/main">
+  <p:tag name="KSO_WM_BEAUTIFY_FLAG" val=""/>
+</p:tagLst>
+</file>
+
+<file path=ppt/tags/tag69.xml><?xml version="1.0" encoding="utf-8"?>
+<p:tagLst xmlns:p="http://schemas.openxmlformats.org/presentationml/2006/main">
+  <p:tag name="KSO_WM_BEAUTIFY_FLAG" val=""/>
+</p:tagLst>
+</file>
+
 <file path=ppt/tags/tag7.xml><?xml version="1.0" encoding="utf-8"?>
 <p:tagLst xmlns:p="http://schemas.openxmlformats.org/presentationml/2006/main">
   <p:tag name="KSO_WM_BEAUTIFY_FLAG" val=""/>
+</p:tagLst>
+</file>
+
+<file path=ppt/tags/tag70.xml><?xml version="1.0" encoding="utf-8"?>
+<p:tagLst xmlns:p="http://schemas.openxmlformats.org/presentationml/2006/main">
+  <p:tag name="KSO_WM_BEAUTIFY_FLAG" val=""/>
+</p:tagLst>
+</file>
+
+<file path=ppt/tags/tag71.xml><?xml version="1.0" encoding="utf-8"?>
+<p:tagLst xmlns:p="http://schemas.openxmlformats.org/presentationml/2006/main">
+  <p:tag name="KSO_WM_BEAUTIFY_FLAG" val=""/>
+</p:tagLst>
+</file>
+
+<file path=ppt/tags/tag72.xml><?xml version="1.0" encoding="utf-8"?>
+<p:tagLst xmlns:p="http://schemas.openxmlformats.org/presentationml/2006/main">
+  <p:tag name="KSO_WM_BEAUTIFY_FLAG" val=""/>
+</p:tagLst>
+</file>
+
+<file path=ppt/tags/tag73.xml><?xml version="1.0" encoding="utf-8"?>
+<p:tagLst xmlns:p="http://schemas.openxmlformats.org/presentationml/2006/main">
+  <p:tag name="KSO_WM_BEAUTIFY_FLAG" val=""/>
+</p:tagLst>
+</file>
+
+<file path=ppt/tags/tag74.xml><?xml version="1.0" encoding="utf-8"?>
+<p:tagLst xmlns:p="http://schemas.openxmlformats.org/presentationml/2006/main">
+  <p:tag name="KSO_WM_BEAUTIFY_FLAG" val=""/>
+</p:tagLst>
+</file>
+
+<file path=ppt/tags/tag75.xml><?xml version="1.0" encoding="utf-8"?>
+<p:tagLst xmlns:p="http://schemas.openxmlformats.org/presentationml/2006/main">
+  <p:tag name="KSO_WPP_MARK_KEY" val="4adfe2df-967f-4e79-8d6b-e9b0c3b48010"/>
+  <p:tag name="COMMONDATA" val="eyJoZGlkIjoiODUzNjM2ZjU2Mjg4NjYxYmM4YjljYjc1NWMwZGM4MjMifQ=="/>
 </p:tagLst>
 </file>
 
